--- a/Resources/STUDENT HIVE.pptx
+++ b/Resources/STUDENT HIVE.pptx
@@ -13134,7 +13134,7 @@
       </p:sp>
       <p:pic>
         <p:nvPicPr>
-          <p:cNvPr id="16" name="Picture Placeholder 15" descr="Headshot for team slides ">
+          <p:cNvPr id="16" name="Picture Placeholder 15">
             <a:extLst>
               <a:ext uri="{FF2B5EF4-FFF2-40B4-BE49-F238E27FC236}">
                 <a16:creationId xmlns:a16="http://schemas.microsoft.com/office/drawing/2014/main" id="{788ADF35-7762-4E85-BE67-27FDB5522B9D}"/>
@@ -13148,14 +13148,8 @@
             <p:ph type="pic" sz="quarter" idx="14"/>
           </p:nvPr>
         </p:nvPicPr>
-        <p:blipFill rotWithShape="1">
-          <a:blip r:embed="rId2" cstate="screen">
-            <a:extLst>
-              <a:ext uri="{28A0092B-C50C-407E-A947-70E740481C1C}">
-                <a14:useLocalDpi xmlns:a14="http://schemas.microsoft.com/office/drawing/2010/main" val="0"/>
-              </a:ext>
-            </a:extLst>
-          </a:blip>
+        <p:blipFill>
+          <a:blip r:embed="rId2"/>
           <a:srcRect/>
           <a:stretch/>
         </p:blipFill>
@@ -13194,7 +13188,7 @@
           <a:p>
             <a:r>
               <a:rPr lang="en-US" dirty="0"/>
-              <a:t>PERSON 1</a:t>
+              <a:t>SMIT</a:t>
             </a:r>
           </a:p>
         </p:txBody>
@@ -13227,14 +13221,14 @@
           <a:p>
             <a:r>
               <a:rPr lang="en-US" dirty="0"/>
-              <a:t>DEVELOPER</a:t>
+              <a:t>FRONT END DEVELOPER</a:t>
             </a:r>
           </a:p>
         </p:txBody>
       </p:sp>
       <p:pic>
         <p:nvPicPr>
-          <p:cNvPr id="18" name="Picture Placeholder 17" descr="Headshot for team slides ">
+          <p:cNvPr id="18" name="Picture Placeholder 17">
             <a:extLst>
               <a:ext uri="{FF2B5EF4-FFF2-40B4-BE49-F238E27FC236}">
                 <a16:creationId xmlns:a16="http://schemas.microsoft.com/office/drawing/2014/main" id="{F2557ABA-5037-481D-8C54-94B63E80E2EC}"/>
@@ -13248,14 +13242,8 @@
             <p:ph type="pic" sz="quarter" idx="15"/>
           </p:nvPr>
         </p:nvPicPr>
-        <p:blipFill rotWithShape="1">
-          <a:blip r:embed="rId3" cstate="screen">
-            <a:extLst>
-              <a:ext uri="{28A0092B-C50C-407E-A947-70E740481C1C}">
-                <a14:useLocalDpi xmlns:a14="http://schemas.microsoft.com/office/drawing/2010/main" val="0"/>
-              </a:ext>
-            </a:extLst>
-          </a:blip>
+        <p:blipFill>
+          <a:blip r:embed="rId3"/>
           <a:srcRect/>
           <a:stretch/>
         </p:blipFill>
@@ -13294,7 +13282,7 @@
           <a:p>
             <a:r>
               <a:rPr lang="en-US" dirty="0"/>
-              <a:t>PERSON 2</a:t>
+              <a:t>SUJAN SIDDARTH</a:t>
             </a:r>
           </a:p>
         </p:txBody>
@@ -13327,14 +13315,14 @@
           <a:p>
             <a:r>
               <a:rPr lang="en-US" dirty="0"/>
-              <a:t>DEVELOPER</a:t>
+              <a:t>TESTER</a:t>
             </a:r>
           </a:p>
         </p:txBody>
       </p:sp>
       <p:pic>
         <p:nvPicPr>
-          <p:cNvPr id="20" name="Picture Placeholder 19" descr="Headshot for team slides ">
+          <p:cNvPr id="20" name="Picture Placeholder 19">
             <a:extLst>
               <a:ext uri="{FF2B5EF4-FFF2-40B4-BE49-F238E27FC236}">
                 <a16:creationId xmlns:a16="http://schemas.microsoft.com/office/drawing/2014/main" id="{618E88B2-D607-4D3C-9519-A591A729DCC9}"/>
@@ -13348,14 +13336,8 @@
             <p:ph type="pic" sz="quarter" idx="16"/>
           </p:nvPr>
         </p:nvPicPr>
-        <p:blipFill rotWithShape="1">
-          <a:blip r:embed="rId4" cstate="screen">
-            <a:extLst>
-              <a:ext uri="{28A0092B-C50C-407E-A947-70E740481C1C}">
-                <a14:useLocalDpi xmlns:a14="http://schemas.microsoft.com/office/drawing/2010/main" val="0"/>
-              </a:ext>
-            </a:extLst>
-          </a:blip>
+        <p:blipFill>
+          <a:blip r:embed="rId4"/>
           <a:srcRect/>
           <a:stretch/>
         </p:blipFill>
@@ -13394,7 +13376,7 @@
           <a:p>
             <a:r>
               <a:rPr lang="en-US" dirty="0"/>
-              <a:t>PERSON 3</a:t>
+              <a:t>KIRAN KUMAR</a:t>
             </a:r>
           </a:p>
         </p:txBody>
@@ -13427,14 +13409,14 @@
           <a:p>
             <a:r>
               <a:rPr lang="en-US" dirty="0"/>
-              <a:t>DEVELOPER</a:t>
+              <a:t>FULL STACK DEVELOPER</a:t>
             </a:r>
           </a:p>
         </p:txBody>
       </p:sp>
       <p:pic>
         <p:nvPicPr>
-          <p:cNvPr id="22" name="Picture Placeholder 21" descr="Headshot for team slides ">
+          <p:cNvPr id="22" name="Picture Placeholder 21">
             <a:extLst>
               <a:ext uri="{FF2B5EF4-FFF2-40B4-BE49-F238E27FC236}">
                 <a16:creationId xmlns:a16="http://schemas.microsoft.com/office/drawing/2014/main" id="{82AF3253-9767-4EC7-B0DB-3A850BEFB035}"/>
@@ -13448,14 +13430,8 @@
             <p:ph type="pic" sz="quarter" idx="17"/>
           </p:nvPr>
         </p:nvPicPr>
-        <p:blipFill rotWithShape="1">
-          <a:blip r:embed="rId5" cstate="screen">
-            <a:extLst>
-              <a:ext uri="{28A0092B-C50C-407E-A947-70E740481C1C}">
-                <a14:useLocalDpi xmlns:a14="http://schemas.microsoft.com/office/drawing/2010/main" val="0"/>
-              </a:ext>
-            </a:extLst>
-          </a:blip>
+        <p:blipFill>
+          <a:blip r:embed="rId5"/>
           <a:srcRect/>
           <a:stretch/>
         </p:blipFill>
@@ -13494,7 +13470,7 @@
           <a:p>
             <a:r>
               <a:rPr lang="en-US" dirty="0"/>
-              <a:t>PERSON 4</a:t>
+              <a:t>YASHKUMAR</a:t>
             </a:r>
           </a:p>
         </p:txBody>
@@ -13527,49 +13503,14 @@
           <a:p>
             <a:r>
               <a:rPr lang="en-US" dirty="0"/>
-              <a:t>DEVELOPER</a:t>
-            </a:r>
-          </a:p>
-        </p:txBody>
-      </p:sp>
-      <p:sp>
-        <p:nvSpPr>
-          <p:cNvPr id="25" name="Slide Number Placeholder 24">
-            <a:extLst>
-              <a:ext uri="{FF2B5EF4-FFF2-40B4-BE49-F238E27FC236}">
-                <a16:creationId xmlns:a16="http://schemas.microsoft.com/office/drawing/2014/main" id="{148E9129-4CC6-47BA-ACD8-2C632A8660EC}"/>
-              </a:ext>
-            </a:extLst>
-          </p:cNvPr>
-          <p:cNvSpPr>
-            <a:spLocks noGrp="1"/>
-          </p:cNvSpPr>
-          <p:nvPr>
-            <p:ph type="sldNum" sz="quarter" idx="12"/>
-          </p:nvPr>
-        </p:nvSpPr>
-        <p:spPr>
-          <a:xfrm>
-            <a:off x="8610600" y="6356350"/>
-            <a:ext cx="2743200" cy="365125"/>
-          </a:xfrm>
-        </p:spPr>
-        <p:txBody>
-          <a:bodyPr/>
-          <a:lstStyle/>
-          <a:p>
-            <a:fld id="{A49DFD55-3C28-40EF-9E31-A92D2E4017FF}" type="slidenum">
-              <a:rPr lang="en-US" smtClean="0"/>
-              <a:pPr/>
-              <a:t>6</a:t>
-            </a:fld>
-            <a:endParaRPr lang="en-US" dirty="0"/>
+              <a:t>DATABASE ADMINSTRATOR</a:t>
+            </a:r>
           </a:p>
         </p:txBody>
       </p:sp>
       <p:pic>
         <p:nvPicPr>
-          <p:cNvPr id="6" name="Picture Placeholder 17" descr="Headshot for team slides ">
+          <p:cNvPr id="6" name="Picture Placeholder 17">
             <a:extLst>
               <a:ext uri="{FF2B5EF4-FFF2-40B4-BE49-F238E27FC236}">
                 <a16:creationId xmlns:a16="http://schemas.microsoft.com/office/drawing/2014/main" id="{4356067E-F290-9220-4FEF-D0C1412FB83F}"/>
@@ -13581,21 +13522,15 @@
           </p:cNvPicPr>
           <p:nvPr/>
         </p:nvPicPr>
-        <p:blipFill rotWithShape="1">
-          <a:blip r:embed="rId3" cstate="screen">
-            <a:extLst>
-              <a:ext uri="{28A0092B-C50C-407E-A947-70E740481C1C}">
-                <a14:useLocalDpi xmlns:a14="http://schemas.microsoft.com/office/drawing/2010/main" val="0"/>
-              </a:ext>
-            </a:extLst>
-          </a:blip>
+        <p:blipFill>
+          <a:blip r:embed="rId6"/>
           <a:srcRect/>
           <a:stretch/>
         </p:blipFill>
         <p:spPr>
           <a:xfrm>
-            <a:off x="3827663" y="3912818"/>
-            <a:ext cx="1845511" cy="1845511"/>
+            <a:off x="2883797" y="3912818"/>
+            <a:ext cx="1384133" cy="1845511"/>
           </a:xfrm>
           <a:prstGeom prst="rect">
             <a:avLst/>
@@ -13623,7 +13558,7 @@
         </p:nvSpPr>
         <p:spPr>
           <a:xfrm>
-            <a:off x="3844915" y="6212568"/>
+            <a:off x="2670360" y="6212568"/>
             <a:ext cx="1855949" cy="343061"/>
           </a:xfrm>
           <a:prstGeom prst="rect">
@@ -13801,14 +13736,14 @@
           <a:p>
             <a:r>
               <a:rPr lang="en-US" dirty="0"/>
-              <a:t>DEVELOPER</a:t>
+              <a:t>PROJECT MANAGER</a:t>
             </a:r>
           </a:p>
         </p:txBody>
       </p:sp>
       <p:pic>
         <p:nvPicPr>
-          <p:cNvPr id="15" name="Picture Placeholder 19" descr="Headshot for team slides ">
+          <p:cNvPr id="15" name="Picture Placeholder 19">
             <a:extLst>
               <a:ext uri="{FF2B5EF4-FFF2-40B4-BE49-F238E27FC236}">
                 <a16:creationId xmlns:a16="http://schemas.microsoft.com/office/drawing/2014/main" id="{CF0F996A-386B-EBA1-849A-7F23453CB641}"/>
@@ -13820,21 +13755,15 @@
           </p:cNvPicPr>
           <p:nvPr/>
         </p:nvPicPr>
-        <p:blipFill rotWithShape="1">
-          <a:blip r:embed="rId4" cstate="screen">
-            <a:extLst>
-              <a:ext uri="{28A0092B-C50C-407E-A947-70E740481C1C}">
-                <a14:useLocalDpi xmlns:a14="http://schemas.microsoft.com/office/drawing/2010/main" val="0"/>
-              </a:ext>
-            </a:extLst>
-          </a:blip>
+        <p:blipFill>
+          <a:blip r:embed="rId7"/>
           <a:srcRect/>
           <a:stretch/>
         </p:blipFill>
         <p:spPr>
           <a:xfrm>
-            <a:off x="6318327" y="3912818"/>
-            <a:ext cx="1845511" cy="1845511"/>
+            <a:off x="5374461" y="3912818"/>
+            <a:ext cx="1384133" cy="1845511"/>
           </a:xfrm>
           <a:prstGeom prst="rect">
             <a:avLst/>
@@ -13862,7 +13791,7 @@
         </p:nvSpPr>
         <p:spPr>
           <a:xfrm>
-            <a:off x="6076966" y="5818296"/>
+            <a:off x="4902411" y="5818296"/>
             <a:ext cx="2317707" cy="343061"/>
           </a:xfrm>
           <a:prstGeom prst="rect">
@@ -14040,7 +13969,7 @@
           <a:p>
             <a:r>
               <a:rPr lang="en-US" dirty="0"/>
-              <a:t>PERSON 6</a:t>
+              <a:t>SIDDHARTHKUMAR </a:t>
             </a:r>
           </a:p>
         </p:txBody>
@@ -14061,7 +13990,7 @@
         </p:nvSpPr>
         <p:spPr>
           <a:xfrm>
-            <a:off x="6335579" y="6212568"/>
+            <a:off x="5161024" y="6212568"/>
             <a:ext cx="1845511" cy="343061"/>
           </a:xfrm>
           <a:prstGeom prst="rect">
@@ -14239,7 +14168,7 @@
           <a:p>
             <a:r>
               <a:rPr lang="en-US" dirty="0"/>
-              <a:t>DEVELOPER</a:t>
+              <a:t>DATA ANALYST</a:t>
             </a:r>
           </a:p>
         </p:txBody>
@@ -14260,7 +14189,7 @@
         </p:nvSpPr>
         <p:spPr>
           <a:xfrm>
-            <a:off x="3585010" y="5825274"/>
+            <a:off x="2410455" y="5825274"/>
             <a:ext cx="2330816" cy="343061"/>
           </a:xfrm>
           <a:prstGeom prst="rect">
@@ -14438,7 +14367,439 @@
           <a:p>
             <a:r>
               <a:rPr lang="en-US" dirty="0"/>
-              <a:t>PERSON 5</a:t>
+              <a:t>PARTH</a:t>
+            </a:r>
+          </a:p>
+        </p:txBody>
+      </p:sp>
+      <p:pic>
+        <p:nvPicPr>
+          <p:cNvPr id="4" name="Picture Placeholder 19">
+            <a:extLst>
+              <a:ext uri="{FF2B5EF4-FFF2-40B4-BE49-F238E27FC236}">
+                <a16:creationId xmlns:a16="http://schemas.microsoft.com/office/drawing/2014/main" id="{B7CFD72A-93AE-2F30-CB38-AEA4E17149A5}"/>
+              </a:ext>
+            </a:extLst>
+          </p:cNvPr>
+          <p:cNvPicPr>
+            <a:picLocks noChangeAspect="1"/>
+          </p:cNvPicPr>
+          <p:nvPr/>
+        </p:nvPicPr>
+        <p:blipFill>
+          <a:blip r:embed="rId8"/>
+          <a:srcRect/>
+          <a:stretch/>
+        </p:blipFill>
+        <p:spPr>
+          <a:xfrm>
+            <a:off x="7563653" y="3912818"/>
+            <a:ext cx="1845511" cy="1845511"/>
+          </a:xfrm>
+          <a:prstGeom prst="rect">
+            <a:avLst/>
+          </a:prstGeom>
+          <a:solidFill>
+            <a:schemeClr val="bg1">
+              <a:lumMod val="95000"/>
+            </a:schemeClr>
+          </a:solidFill>
+        </p:spPr>
+      </p:pic>
+      <p:sp>
+        <p:nvSpPr>
+          <p:cNvPr id="5" name="Text Placeholder 8">
+            <a:extLst>
+              <a:ext uri="{FF2B5EF4-FFF2-40B4-BE49-F238E27FC236}">
+                <a16:creationId xmlns:a16="http://schemas.microsoft.com/office/drawing/2014/main" id="{81CEA6F4-5FF1-2621-301A-81CCD0678198}"/>
+              </a:ext>
+            </a:extLst>
+          </p:cNvPr>
+          <p:cNvSpPr txBox="1">
+            <a:spLocks/>
+          </p:cNvSpPr>
+          <p:nvPr/>
+        </p:nvSpPr>
+        <p:spPr>
+          <a:xfrm>
+            <a:off x="7322292" y="5818296"/>
+            <a:ext cx="2317707" cy="343061"/>
+          </a:xfrm>
+          <a:prstGeom prst="rect">
+            <a:avLst/>
+          </a:prstGeom>
+        </p:spPr>
+        <p:txBody>
+          <a:bodyPr vert="horz" lIns="91440" tIns="45720" rIns="91440" bIns="45720" rtlCol="0" anchor="ctr">
+            <a:noAutofit/>
+          </a:bodyPr>
+          <a:lstStyle>
+            <a:lvl1pPr marL="0" indent="0" algn="ctr" defTabSz="914400" rtl="0" eaLnBrk="1" latinLnBrk="0" hangingPunct="1">
+              <a:lnSpc>
+                <a:spcPct val="90000"/>
+              </a:lnSpc>
+              <a:spcBef>
+                <a:spcPts val="1000"/>
+              </a:spcBef>
+              <a:buFont typeface="Arial" panose="020B0604020202020204" pitchFamily="34" charset="0"/>
+              <a:buNone/>
+              <a:defRPr lang="en-US" sz="1400" kern="1200" spc="150" baseline="0" dirty="0" smtClean="0">
+                <a:solidFill>
+                  <a:schemeClr val="tx1"/>
+                </a:solidFill>
+                <a:latin typeface="+mj-lt"/>
+                <a:ea typeface="+mj-ea"/>
+                <a:cs typeface="+mj-cs"/>
+              </a:defRPr>
+            </a:lvl1pPr>
+            <a:lvl2pPr marL="457200" indent="0" algn="l" defTabSz="914400" rtl="0" eaLnBrk="1" latinLnBrk="0" hangingPunct="1">
+              <a:lnSpc>
+                <a:spcPct val="90000"/>
+              </a:lnSpc>
+              <a:spcBef>
+                <a:spcPts val="500"/>
+              </a:spcBef>
+              <a:buFont typeface="Arial" panose="020B0604020202020204" pitchFamily="34" charset="0"/>
+              <a:buNone/>
+              <a:defRPr sz="2000" b="1" kern="1200">
+                <a:solidFill>
+                  <a:schemeClr val="tx1"/>
+                </a:solidFill>
+                <a:latin typeface="+mn-lt"/>
+                <a:ea typeface="+mn-ea"/>
+                <a:cs typeface="+mn-cs"/>
+              </a:defRPr>
+            </a:lvl2pPr>
+            <a:lvl3pPr marL="914400" indent="0" algn="l" defTabSz="914400" rtl="0" eaLnBrk="1" latinLnBrk="0" hangingPunct="1">
+              <a:lnSpc>
+                <a:spcPct val="90000"/>
+              </a:lnSpc>
+              <a:spcBef>
+                <a:spcPts val="500"/>
+              </a:spcBef>
+              <a:buFont typeface="Arial" panose="020B0604020202020204" pitchFamily="34" charset="0"/>
+              <a:buNone/>
+              <a:defRPr sz="1800" b="1" kern="1200">
+                <a:solidFill>
+                  <a:schemeClr val="tx1"/>
+                </a:solidFill>
+                <a:latin typeface="+mn-lt"/>
+                <a:ea typeface="+mn-ea"/>
+                <a:cs typeface="+mn-cs"/>
+              </a:defRPr>
+            </a:lvl3pPr>
+            <a:lvl4pPr marL="1371600" indent="0" algn="l" defTabSz="914400" rtl="0" eaLnBrk="1" latinLnBrk="0" hangingPunct="1">
+              <a:lnSpc>
+                <a:spcPct val="90000"/>
+              </a:lnSpc>
+              <a:spcBef>
+                <a:spcPts val="500"/>
+              </a:spcBef>
+              <a:buFont typeface="Arial" panose="020B0604020202020204" pitchFamily="34" charset="0"/>
+              <a:buNone/>
+              <a:defRPr sz="1600" b="1" kern="1200">
+                <a:solidFill>
+                  <a:schemeClr val="tx1"/>
+                </a:solidFill>
+                <a:latin typeface="+mn-lt"/>
+                <a:ea typeface="+mn-ea"/>
+                <a:cs typeface="+mn-cs"/>
+              </a:defRPr>
+            </a:lvl4pPr>
+            <a:lvl5pPr marL="1828800" indent="0" algn="l" defTabSz="914400" rtl="0" eaLnBrk="1" latinLnBrk="0" hangingPunct="1">
+              <a:lnSpc>
+                <a:spcPct val="90000"/>
+              </a:lnSpc>
+              <a:spcBef>
+                <a:spcPts val="500"/>
+              </a:spcBef>
+              <a:buFont typeface="Arial" panose="020B0604020202020204" pitchFamily="34" charset="0"/>
+              <a:buNone/>
+              <a:defRPr sz="1600" b="1" kern="1200">
+                <a:solidFill>
+                  <a:schemeClr val="tx1"/>
+                </a:solidFill>
+                <a:latin typeface="+mn-lt"/>
+                <a:ea typeface="+mn-ea"/>
+                <a:cs typeface="+mn-cs"/>
+              </a:defRPr>
+            </a:lvl5pPr>
+            <a:lvl6pPr marL="2286000" indent="0" algn="l" defTabSz="914400" rtl="0" eaLnBrk="1" latinLnBrk="0" hangingPunct="1">
+              <a:lnSpc>
+                <a:spcPct val="90000"/>
+              </a:lnSpc>
+              <a:spcBef>
+                <a:spcPts val="500"/>
+              </a:spcBef>
+              <a:buFont typeface="Arial" panose="020B0604020202020204" pitchFamily="34" charset="0"/>
+              <a:buNone/>
+              <a:defRPr sz="1600" b="1" kern="1200">
+                <a:solidFill>
+                  <a:schemeClr val="tx1"/>
+                </a:solidFill>
+                <a:latin typeface="+mn-lt"/>
+                <a:ea typeface="+mn-ea"/>
+                <a:cs typeface="+mn-cs"/>
+              </a:defRPr>
+            </a:lvl6pPr>
+            <a:lvl7pPr marL="2743200" indent="0" algn="l" defTabSz="914400" rtl="0" eaLnBrk="1" latinLnBrk="0" hangingPunct="1">
+              <a:lnSpc>
+                <a:spcPct val="90000"/>
+              </a:lnSpc>
+              <a:spcBef>
+                <a:spcPts val="500"/>
+              </a:spcBef>
+              <a:buFont typeface="Arial" panose="020B0604020202020204" pitchFamily="34" charset="0"/>
+              <a:buNone/>
+              <a:defRPr sz="1600" b="1" kern="1200">
+                <a:solidFill>
+                  <a:schemeClr val="tx1"/>
+                </a:solidFill>
+                <a:latin typeface="+mn-lt"/>
+                <a:ea typeface="+mn-ea"/>
+                <a:cs typeface="+mn-cs"/>
+              </a:defRPr>
+            </a:lvl7pPr>
+            <a:lvl8pPr marL="3200400" indent="0" algn="l" defTabSz="914400" rtl="0" eaLnBrk="1" latinLnBrk="0" hangingPunct="1">
+              <a:lnSpc>
+                <a:spcPct val="90000"/>
+              </a:lnSpc>
+              <a:spcBef>
+                <a:spcPts val="500"/>
+              </a:spcBef>
+              <a:buFont typeface="Arial" panose="020B0604020202020204" pitchFamily="34" charset="0"/>
+              <a:buNone/>
+              <a:defRPr sz="1600" b="1" kern="1200">
+                <a:solidFill>
+                  <a:schemeClr val="tx1"/>
+                </a:solidFill>
+                <a:latin typeface="+mn-lt"/>
+                <a:ea typeface="+mn-ea"/>
+                <a:cs typeface="+mn-cs"/>
+              </a:defRPr>
+            </a:lvl8pPr>
+            <a:lvl9pPr marL="3657600" indent="0" algn="l" defTabSz="914400" rtl="0" eaLnBrk="1" latinLnBrk="0" hangingPunct="1">
+              <a:lnSpc>
+                <a:spcPct val="90000"/>
+              </a:lnSpc>
+              <a:spcBef>
+                <a:spcPts val="500"/>
+              </a:spcBef>
+              <a:buFont typeface="Arial" panose="020B0604020202020204" pitchFamily="34" charset="0"/>
+              <a:buNone/>
+              <a:defRPr sz="1600" b="1" kern="1200">
+                <a:solidFill>
+                  <a:schemeClr val="tx1"/>
+                </a:solidFill>
+                <a:latin typeface="+mn-lt"/>
+                <a:ea typeface="+mn-ea"/>
+                <a:cs typeface="+mn-cs"/>
+              </a:defRPr>
+            </a:lvl9pPr>
+          </a:lstStyle>
+          <a:p>
+            <a:r>
+              <a:rPr lang="en-US" dirty="0"/>
+              <a:t>RAJ KOUSHIK</a:t>
+            </a:r>
+          </a:p>
+        </p:txBody>
+      </p:sp>
+      <p:sp>
+        <p:nvSpPr>
+          <p:cNvPr id="23" name="Text Placeholder 12">
+            <a:extLst>
+              <a:ext uri="{FF2B5EF4-FFF2-40B4-BE49-F238E27FC236}">
+                <a16:creationId xmlns:a16="http://schemas.microsoft.com/office/drawing/2014/main" id="{85535849-89A7-17BF-180B-C814FC82EB89}"/>
+              </a:ext>
+            </a:extLst>
+          </p:cNvPr>
+          <p:cNvSpPr txBox="1">
+            <a:spLocks/>
+          </p:cNvSpPr>
+          <p:nvPr/>
+        </p:nvSpPr>
+        <p:spPr>
+          <a:xfrm>
+            <a:off x="7580905" y="6212568"/>
+            <a:ext cx="1845511" cy="343061"/>
+          </a:xfrm>
+          <a:prstGeom prst="rect">
+            <a:avLst/>
+          </a:prstGeom>
+        </p:spPr>
+        <p:txBody>
+          <a:bodyPr vert="horz" lIns="91440" tIns="45720" rIns="91440" bIns="45720" rtlCol="0" anchor="t">
+            <a:noAutofit/>
+          </a:bodyPr>
+          <a:lstStyle>
+            <a:lvl1pPr marL="0" indent="0" algn="ctr" defTabSz="914400" rtl="0" eaLnBrk="1" latinLnBrk="0" hangingPunct="1">
+              <a:lnSpc>
+                <a:spcPct val="90000"/>
+              </a:lnSpc>
+              <a:spcBef>
+                <a:spcPts val="1000"/>
+              </a:spcBef>
+              <a:buFont typeface="Arial" panose="020B0604020202020204" pitchFamily="34" charset="0"/>
+              <a:buNone/>
+              <a:defRPr lang="en-US" sz="1000" kern="1200" spc="150" baseline="0" dirty="0" smtClean="0">
+                <a:solidFill>
+                  <a:schemeClr val="tx1"/>
+                </a:solidFill>
+                <a:latin typeface="+mn-lt"/>
+                <a:ea typeface="+mj-ea"/>
+                <a:cs typeface="+mj-cs"/>
+              </a:defRPr>
+            </a:lvl1pPr>
+            <a:lvl2pPr marL="457200" indent="0" algn="l" defTabSz="914400" rtl="0" eaLnBrk="1" latinLnBrk="0" hangingPunct="1">
+              <a:lnSpc>
+                <a:spcPct val="90000"/>
+              </a:lnSpc>
+              <a:spcBef>
+                <a:spcPts val="500"/>
+              </a:spcBef>
+              <a:buFont typeface="Arial" panose="020B0604020202020204" pitchFamily="34" charset="0"/>
+              <a:buNone/>
+              <a:defRPr sz="2000" b="1" kern="1200">
+                <a:solidFill>
+                  <a:schemeClr val="tx1"/>
+                </a:solidFill>
+                <a:latin typeface="+mn-lt"/>
+                <a:ea typeface="+mn-ea"/>
+                <a:cs typeface="+mn-cs"/>
+              </a:defRPr>
+            </a:lvl2pPr>
+            <a:lvl3pPr marL="914400" indent="0" algn="l" defTabSz="914400" rtl="0" eaLnBrk="1" latinLnBrk="0" hangingPunct="1">
+              <a:lnSpc>
+                <a:spcPct val="90000"/>
+              </a:lnSpc>
+              <a:spcBef>
+                <a:spcPts val="500"/>
+              </a:spcBef>
+              <a:buFont typeface="Arial" panose="020B0604020202020204" pitchFamily="34" charset="0"/>
+              <a:buNone/>
+              <a:defRPr sz="1800" b="1" kern="1200">
+                <a:solidFill>
+                  <a:schemeClr val="tx1"/>
+                </a:solidFill>
+                <a:latin typeface="+mn-lt"/>
+                <a:ea typeface="+mn-ea"/>
+                <a:cs typeface="+mn-cs"/>
+              </a:defRPr>
+            </a:lvl3pPr>
+            <a:lvl4pPr marL="1371600" indent="0" algn="l" defTabSz="914400" rtl="0" eaLnBrk="1" latinLnBrk="0" hangingPunct="1">
+              <a:lnSpc>
+                <a:spcPct val="90000"/>
+              </a:lnSpc>
+              <a:spcBef>
+                <a:spcPts val="500"/>
+              </a:spcBef>
+              <a:buFont typeface="Arial" panose="020B0604020202020204" pitchFamily="34" charset="0"/>
+              <a:buNone/>
+              <a:defRPr sz="1600" b="1" kern="1200">
+                <a:solidFill>
+                  <a:schemeClr val="tx1"/>
+                </a:solidFill>
+                <a:latin typeface="+mn-lt"/>
+                <a:ea typeface="+mn-ea"/>
+                <a:cs typeface="+mn-cs"/>
+              </a:defRPr>
+            </a:lvl4pPr>
+            <a:lvl5pPr marL="1828800" indent="0" algn="l" defTabSz="914400" rtl="0" eaLnBrk="1" latinLnBrk="0" hangingPunct="1">
+              <a:lnSpc>
+                <a:spcPct val="90000"/>
+              </a:lnSpc>
+              <a:spcBef>
+                <a:spcPts val="500"/>
+              </a:spcBef>
+              <a:buFont typeface="Arial" panose="020B0604020202020204" pitchFamily="34" charset="0"/>
+              <a:buNone/>
+              <a:defRPr sz="1600" b="1" kern="1200">
+                <a:solidFill>
+                  <a:schemeClr val="tx1"/>
+                </a:solidFill>
+                <a:latin typeface="+mn-lt"/>
+                <a:ea typeface="+mn-ea"/>
+                <a:cs typeface="+mn-cs"/>
+              </a:defRPr>
+            </a:lvl5pPr>
+            <a:lvl6pPr marL="2286000" indent="0" algn="l" defTabSz="914400" rtl="0" eaLnBrk="1" latinLnBrk="0" hangingPunct="1">
+              <a:lnSpc>
+                <a:spcPct val="90000"/>
+              </a:lnSpc>
+              <a:spcBef>
+                <a:spcPts val="500"/>
+              </a:spcBef>
+              <a:buFont typeface="Arial" panose="020B0604020202020204" pitchFamily="34" charset="0"/>
+              <a:buNone/>
+              <a:defRPr sz="1600" b="1" kern="1200">
+                <a:solidFill>
+                  <a:schemeClr val="tx1"/>
+                </a:solidFill>
+                <a:latin typeface="+mn-lt"/>
+                <a:ea typeface="+mn-ea"/>
+                <a:cs typeface="+mn-cs"/>
+              </a:defRPr>
+            </a:lvl6pPr>
+            <a:lvl7pPr marL="2743200" indent="0" algn="l" defTabSz="914400" rtl="0" eaLnBrk="1" latinLnBrk="0" hangingPunct="1">
+              <a:lnSpc>
+                <a:spcPct val="90000"/>
+              </a:lnSpc>
+              <a:spcBef>
+                <a:spcPts val="500"/>
+              </a:spcBef>
+              <a:buFont typeface="Arial" panose="020B0604020202020204" pitchFamily="34" charset="0"/>
+              <a:buNone/>
+              <a:defRPr sz="1600" b="1" kern="1200">
+                <a:solidFill>
+                  <a:schemeClr val="tx1"/>
+                </a:solidFill>
+                <a:latin typeface="+mn-lt"/>
+                <a:ea typeface="+mn-ea"/>
+                <a:cs typeface="+mn-cs"/>
+              </a:defRPr>
+            </a:lvl7pPr>
+            <a:lvl8pPr marL="3200400" indent="0" algn="l" defTabSz="914400" rtl="0" eaLnBrk="1" latinLnBrk="0" hangingPunct="1">
+              <a:lnSpc>
+                <a:spcPct val="90000"/>
+              </a:lnSpc>
+              <a:spcBef>
+                <a:spcPts val="500"/>
+              </a:spcBef>
+              <a:buFont typeface="Arial" panose="020B0604020202020204" pitchFamily="34" charset="0"/>
+              <a:buNone/>
+              <a:defRPr sz="1600" b="1" kern="1200">
+                <a:solidFill>
+                  <a:schemeClr val="tx1"/>
+                </a:solidFill>
+                <a:latin typeface="+mn-lt"/>
+                <a:ea typeface="+mn-ea"/>
+                <a:cs typeface="+mn-cs"/>
+              </a:defRPr>
+            </a:lvl8pPr>
+            <a:lvl9pPr marL="3657600" indent="0" algn="l" defTabSz="914400" rtl="0" eaLnBrk="1" latinLnBrk="0" hangingPunct="1">
+              <a:lnSpc>
+                <a:spcPct val="90000"/>
+              </a:lnSpc>
+              <a:spcBef>
+                <a:spcPts val="500"/>
+              </a:spcBef>
+              <a:buFont typeface="Arial" panose="020B0604020202020204" pitchFamily="34" charset="0"/>
+              <a:buNone/>
+              <a:defRPr sz="1600" b="1" kern="1200">
+                <a:solidFill>
+                  <a:schemeClr val="tx1"/>
+                </a:solidFill>
+                <a:latin typeface="+mn-lt"/>
+                <a:ea typeface="+mn-ea"/>
+                <a:cs typeface="+mn-cs"/>
+              </a:defRPr>
+            </a:lvl9pPr>
+          </a:lstStyle>
+          <a:p>
+            <a:r>
+              <a:rPr lang="en-US" dirty="0"/>
+              <a:t>FULL STACK DEVELOPER</a:t>
             </a:r>
           </a:p>
         </p:txBody>
@@ -15558,15 +15919,6 @@
 </file>
 
 <file path=customXml/item1.xml><?xml version="1.0" encoding="utf-8"?>
-<?mso-contentType ?>
-<FormTemplates xmlns="http://schemas.microsoft.com/sharepoint/v3/contenttype/forms">
-  <Display>DocumentLibraryForm</Display>
-  <Edit>DocumentLibraryForm</Edit>
-  <New>DocumentLibraryForm</New>
-</FormTemplates>
-</file>
-
-<file path=customXml/item2.xml><?xml version="1.0" encoding="utf-8"?>
 <p:properties xmlns:p="http://schemas.microsoft.com/office/2006/metadata/properties" xmlns:xsi="http://www.w3.org/2001/XMLSchema-instance" xmlns:pc="http://schemas.microsoft.com/office/infopath/2007/PartnerControls">
   <documentManagement>
     <_ip_UnifiedCompliancePolicyUIAction xmlns="http://schemas.microsoft.com/sharepoint/v3" xsi:nil="true"/>
@@ -15584,6 +15936,15 @@
     <Background xmlns="71af3243-3dd4-4a8d-8c0d-dd76da1f02a5">false</Background>
   </documentManagement>
 </p:properties>
+</file>
+
+<file path=customXml/item2.xml><?xml version="1.0" encoding="utf-8"?>
+<?mso-contentType ?>
+<FormTemplates xmlns="http://schemas.microsoft.com/sharepoint/v3/contenttype/forms">
+  <Display>DocumentLibraryForm</Display>
+  <Edit>DocumentLibraryForm</Edit>
+  <New>DocumentLibraryForm</New>
+</FormTemplates>
 </file>
 
 <file path=customXml/item3.xml><?xml version="1.0" encoding="utf-8"?>
@@ -15899,14 +16260,6 @@
 </file>
 
 <file path=customXml/itemProps1.xml><?xml version="1.0" encoding="utf-8"?>
-<ds:datastoreItem xmlns:ds="http://schemas.openxmlformats.org/officeDocument/2006/customXml" ds:itemID="{BD5826B4-4DD2-4A9B-8D6D-E91CF9C2316C}">
-  <ds:schemaRefs>
-    <ds:schemaRef ds:uri="http://schemas.microsoft.com/sharepoint/v3/contenttype/forms"/>
-  </ds:schemaRefs>
-</ds:datastoreItem>
-</file>
-
-<file path=customXml/itemProps2.xml><?xml version="1.0" encoding="utf-8"?>
 <ds:datastoreItem xmlns:ds="http://schemas.openxmlformats.org/officeDocument/2006/customXml" ds:itemID="{4CC7F809-A434-4A8D-A127-1C50C2DB3890}">
   <ds:schemaRefs>
     <ds:schemaRef ds:uri="http://schemas.microsoft.com/office/2006/metadata/properties"/>
@@ -15914,6 +16267,14 @@
     <ds:schemaRef ds:uri="http://schemas.microsoft.com/sharepoint/v3"/>
     <ds:schemaRef ds:uri="71af3243-3dd4-4a8d-8c0d-dd76da1f02a5"/>
     <ds:schemaRef ds:uri="230e9df3-be65-4c73-a93b-d1236ebd677e"/>
+  </ds:schemaRefs>
+</ds:datastoreItem>
+</file>
+
+<file path=customXml/itemProps2.xml><?xml version="1.0" encoding="utf-8"?>
+<ds:datastoreItem xmlns:ds="http://schemas.openxmlformats.org/officeDocument/2006/customXml" ds:itemID="{BD5826B4-4DD2-4A9B-8D6D-E91CF9C2316C}">
+  <ds:schemaRefs>
+    <ds:schemaRef ds:uri="http://schemas.microsoft.com/sharepoint/v3/contenttype/forms"/>
   </ds:schemaRefs>
 </ds:datastoreItem>
 </file>
